--- a/rid_2022_seminarski/mi18095_Nikola_Delic/2_predavanje/Hakovanje.pptx
+++ b/rid_2022_seminarski/mi18095_Nikola_Delic/2_predavanje/Hakovanje.pptx
@@ -7935,7 +7935,7 @@
             </a:pPr>
             <a:r>
               <a:rPr lang="sr"/>
-              <a:t>-  neprepoznate aplikacije</a:t>
+              <a:t>-  nepoznate aplikacije</a:t>
             </a:r>
             <a:endParaRPr/>
           </a:p>
@@ -9045,7 +9045,7 @@
             </a:pPr>
             <a:r>
               <a:rPr lang="sr"/>
-              <a:t>često kotiste tehnike black hakera kako bi simulirali probijanje sistema</a:t>
+              <a:t>često koriste tehnike black hakera kako bi simulirali probijanje sistema</a:t>
             </a:r>
             <a:endParaRPr/>
           </a:p>
